--- a/database/JDBC개념및데이터베이스프로그래밍.pptx
+++ b/database/JDBC개념및데이터베이스프로그래밍.pptx
@@ -8466,6 +8466,13 @@
   <p:clrMapOvr>
     <a:masterClrMapping/>
   </p:clrMapOvr>
+  <p:timing>
+    <p:tnLst>
+      <p:par>
+        <p:cTn id="1" dur="indefinite" restart="never" nodeType="tmRoot"/>
+      </p:par>
+    </p:tnLst>
+  </p:timing>
 </p:sld>
 </file>
 
@@ -22847,6 +22854,13 @@
   <p:clrMapOvr>
     <a:masterClrMapping/>
   </p:clrMapOvr>
+  <p:timing>
+    <p:tnLst>
+      <p:par>
+        <p:cTn id="1" dur="indefinite" restart="never" nodeType="tmRoot"/>
+      </p:par>
+    </p:tnLst>
+  </p:timing>
 </p:sld>
 </file>
 
@@ -23142,6 +23156,13 @@
   <p:clrMapOvr>
     <a:masterClrMapping/>
   </p:clrMapOvr>
+  <p:timing>
+    <p:tnLst>
+      <p:par>
+        <p:cTn id="1" dur="indefinite" restart="never" nodeType="tmRoot"/>
+      </p:par>
+    </p:tnLst>
+  </p:timing>
 </p:sld>
 </file>
 
@@ -23262,7 +23283,7 @@
         <p:spPr>
           <a:xfrm>
             <a:off x="398459" y="1645920"/>
-            <a:ext cx="2518209" cy="4715813"/>
+            <a:ext cx="2610671" cy="4888965"/>
           </a:xfrm>
           <a:prstGeom prst="rect">
             <a:avLst/>
@@ -23285,8 +23306,8 @@
         </p:blipFill>
         <p:spPr>
           <a:xfrm>
-            <a:off x="1858143" y="2569878"/>
-            <a:ext cx="5888181" cy="3503177"/>
+            <a:off x="1965486" y="2611191"/>
+            <a:ext cx="6957797" cy="4139546"/>
           </a:xfrm>
           <a:prstGeom prst="rect">
             <a:avLst/>
@@ -23347,7 +23368,7 @@
         </p:nvSpPr>
         <p:spPr>
           <a:xfrm>
-            <a:off x="765868" y="6225435"/>
+            <a:off x="824580" y="6401372"/>
             <a:ext cx="2184550" cy="175937"/>
           </a:xfrm>
           <a:prstGeom prst="rect">
@@ -23393,7 +23414,7 @@
         </p:nvSpPr>
         <p:spPr>
           <a:xfrm>
-            <a:off x="6631508" y="3459246"/>
+            <a:off x="7619480" y="3634610"/>
             <a:ext cx="1114816" cy="350728"/>
           </a:xfrm>
           <a:prstGeom prst="rect">
@@ -23577,6 +23598,13 @@
   <p:clrMapOvr>
     <a:masterClrMapping/>
   </p:clrMapOvr>
+  <p:timing>
+    <p:tnLst>
+      <p:par>
+        <p:cTn id="1" dur="indefinite" restart="never" nodeType="tmRoot"/>
+      </p:par>
+    </p:tnLst>
+  </p:timing>
 </p:sld>
 </file>
 
